--- a/content/docs/theory-analysis/financial-it-system/images/images.pptx
+++ b/content/docs/theory-analysis/financial-it-system/images/images.pptx
@@ -5,11 +5,12 @@
     <p:sldMasterId id="2147483648" r:id="rId1"/>
   </p:sldMasterIdLst>
   <p:notesMasterIdLst>
-    <p:notesMasterId r:id="rId4"/>
+    <p:notesMasterId r:id="rId5"/>
   </p:notesMasterIdLst>
   <p:sldIdLst>
-    <p:sldId id="367" r:id="rId2"/>
-    <p:sldId id="362" r:id="rId3"/>
+    <p:sldId id="368" r:id="rId2"/>
+    <p:sldId id="367" r:id="rId3"/>
+    <p:sldId id="362" r:id="rId4"/>
   </p:sldIdLst>
   <p:sldSz cx="9144000" cy="5143500" type="screen16x9"/>
   <p:notesSz cx="6858000" cy="9144000"/>
@@ -3427,6 +3428,1711 @@
         </p:nvSpPr>
         <p:spPr>
           <a:xfrm>
+            <a:off x="3419872" y="1742799"/>
+            <a:ext cx="4104456" cy="857250"/>
+          </a:xfrm>
+          <a:prstGeom prst="roundRect">
+            <a:avLst>
+              <a:gd name="adj" fmla="val 11002"/>
+            </a:avLst>
+          </a:prstGeom>
+          <a:ln w="12700"/>
+        </p:spPr>
+        <p:style>
+          <a:lnRef idx="2">
+            <a:schemeClr val="dk1"/>
+          </a:lnRef>
+          <a:fillRef idx="1">
+            <a:schemeClr val="lt1"/>
+          </a:fillRef>
+          <a:effectRef idx="0">
+            <a:schemeClr val="dk1"/>
+          </a:effectRef>
+          <a:fontRef idx="minor">
+            <a:schemeClr val="dk1"/>
+          </a:fontRef>
+        </p:style>
+        <p:txBody>
+          <a:bodyPr rtlCol="0" anchor="t"/>
+          <a:lstStyle/>
+          <a:p>
+            <a:pPr algn="ctr"/>
+            <a:r>
+              <a:rPr lang="en-US" altLang="ko-KR" sz="1100" b="1"/>
+              <a:t>Account System</a:t>
+            </a:r>
+            <a:endParaRPr lang="ko-KR" altLang="en-US" sz="1100" b="1"/>
+          </a:p>
+        </p:txBody>
+      </p:sp>
+      <p:sp>
+        <p:nvSpPr>
+          <p:cNvPr id="4" name="사각형: 둥근 모서리 6">
+            <a:extLst>
+              <a:ext uri="{FF2B5EF4-FFF2-40B4-BE49-F238E27FC236}">
+                <a16:creationId xmlns:a16="http://schemas.microsoft.com/office/drawing/2014/main" id="{2692A349-0D25-E8E8-87B7-0C36970E1267}"/>
+              </a:ext>
+            </a:extLst>
+          </p:cNvPr>
+          <p:cNvSpPr/>
+          <p:nvPr/>
+        </p:nvSpPr>
+        <p:spPr>
+          <a:xfrm>
+            <a:off x="1917919" y="1742799"/>
+            <a:ext cx="1224135" cy="1673051"/>
+          </a:xfrm>
+          <a:prstGeom prst="roundRect">
+            <a:avLst>
+              <a:gd name="adj" fmla="val 8348"/>
+            </a:avLst>
+          </a:prstGeom>
+          <a:ln w="12700"/>
+        </p:spPr>
+        <p:style>
+          <a:lnRef idx="2">
+            <a:schemeClr val="dk1"/>
+          </a:lnRef>
+          <a:fillRef idx="1">
+            <a:schemeClr val="lt1"/>
+          </a:fillRef>
+          <a:effectRef idx="0">
+            <a:schemeClr val="dk1"/>
+          </a:effectRef>
+          <a:fontRef idx="minor">
+            <a:schemeClr val="dk1"/>
+          </a:fontRef>
+        </p:style>
+        <p:txBody>
+          <a:bodyPr rtlCol="0" anchor="t"/>
+          <a:lstStyle/>
+          <a:p>
+            <a:pPr algn="ctr"/>
+            <a:r>
+              <a:rPr lang="en-US" altLang="ko-KR" sz="1100" b="1"/>
+              <a:t>Channel </a:t>
+            </a:r>
+          </a:p>
+          <a:p>
+            <a:pPr algn="ctr"/>
+            <a:r>
+              <a:rPr lang="en-US" altLang="ko-KR" sz="1100" b="1"/>
+              <a:t>System</a:t>
+            </a:r>
+            <a:endParaRPr lang="ko-KR" altLang="en-US" sz="1100" b="1"/>
+          </a:p>
+        </p:txBody>
+      </p:sp>
+      <p:sp>
+        <p:nvSpPr>
+          <p:cNvPr id="8" name="사각형: 둥근 모서리 6">
+            <a:extLst>
+              <a:ext uri="{FF2B5EF4-FFF2-40B4-BE49-F238E27FC236}">
+                <a16:creationId xmlns:a16="http://schemas.microsoft.com/office/drawing/2014/main" id="{934CC243-3539-5967-BCD9-7E3915EA4ED3}"/>
+              </a:ext>
+            </a:extLst>
+          </p:cNvPr>
+          <p:cNvSpPr/>
+          <p:nvPr/>
+        </p:nvSpPr>
+        <p:spPr>
+          <a:xfrm>
+            <a:off x="3419872" y="2750911"/>
+            <a:ext cx="4104456" cy="857250"/>
+          </a:xfrm>
+          <a:prstGeom prst="roundRect">
+            <a:avLst>
+              <a:gd name="adj" fmla="val 11002"/>
+            </a:avLst>
+          </a:prstGeom>
+          <a:ln w="12700"/>
+        </p:spPr>
+        <p:style>
+          <a:lnRef idx="2">
+            <a:schemeClr val="dk1"/>
+          </a:lnRef>
+          <a:fillRef idx="1">
+            <a:schemeClr val="lt1"/>
+          </a:fillRef>
+          <a:effectRef idx="0">
+            <a:schemeClr val="dk1"/>
+          </a:effectRef>
+          <a:fontRef idx="minor">
+            <a:schemeClr val="dk1"/>
+          </a:fontRef>
+        </p:style>
+        <p:txBody>
+          <a:bodyPr rtlCol="0" anchor="t"/>
+          <a:lstStyle/>
+          <a:p>
+            <a:pPr algn="ctr"/>
+            <a:r>
+              <a:rPr lang="en-US" altLang="ko-KR" sz="1100" b="1"/>
+              <a:t>Information System</a:t>
+            </a:r>
+            <a:endParaRPr lang="ko-KR" altLang="en-US" sz="1100" b="1"/>
+          </a:p>
+        </p:txBody>
+      </p:sp>
+      <p:sp>
+        <p:nvSpPr>
+          <p:cNvPr id="9" name="사각형: 둥근 모서리 6">
+            <a:extLst>
+              <a:ext uri="{FF2B5EF4-FFF2-40B4-BE49-F238E27FC236}">
+                <a16:creationId xmlns:a16="http://schemas.microsoft.com/office/drawing/2014/main" id="{95DFE011-B63B-B3EB-9525-F6BE382F7386}"/>
+              </a:ext>
+            </a:extLst>
+          </p:cNvPr>
+          <p:cNvSpPr/>
+          <p:nvPr/>
+        </p:nvSpPr>
+        <p:spPr>
+          <a:xfrm>
+            <a:off x="3419872" y="3759023"/>
+            <a:ext cx="4104456" cy="857250"/>
+          </a:xfrm>
+          <a:prstGeom prst="roundRect">
+            <a:avLst>
+              <a:gd name="adj" fmla="val 11002"/>
+            </a:avLst>
+          </a:prstGeom>
+          <a:ln w="12700"/>
+        </p:spPr>
+        <p:style>
+          <a:lnRef idx="2">
+            <a:schemeClr val="dk1"/>
+          </a:lnRef>
+          <a:fillRef idx="1">
+            <a:schemeClr val="lt1"/>
+          </a:fillRef>
+          <a:effectRef idx="0">
+            <a:schemeClr val="dk1"/>
+          </a:effectRef>
+          <a:fontRef idx="minor">
+            <a:schemeClr val="dk1"/>
+          </a:fontRef>
+        </p:style>
+        <p:txBody>
+          <a:bodyPr rtlCol="0" anchor="t"/>
+          <a:lstStyle/>
+          <a:p>
+            <a:pPr algn="ctr"/>
+            <a:r>
+              <a:rPr lang="en-US" altLang="ko-KR" sz="1100" b="1"/>
+              <a:t>Operational System</a:t>
+            </a:r>
+            <a:endParaRPr lang="ko-KR" altLang="en-US" sz="1100" b="1"/>
+          </a:p>
+        </p:txBody>
+      </p:sp>
+      <p:sp>
+        <p:nvSpPr>
+          <p:cNvPr id="10" name="사각형: 둥근 모서리 6">
+            <a:extLst>
+              <a:ext uri="{FF2B5EF4-FFF2-40B4-BE49-F238E27FC236}">
+                <a16:creationId xmlns:a16="http://schemas.microsoft.com/office/drawing/2014/main" id="{3A2004E7-FF85-B5F6-CE59-F84F09779A40}"/>
+              </a:ext>
+            </a:extLst>
+          </p:cNvPr>
+          <p:cNvSpPr/>
+          <p:nvPr/>
+        </p:nvSpPr>
+        <p:spPr>
+          <a:xfrm>
+            <a:off x="1917918" y="3608161"/>
+            <a:ext cx="1224136" cy="1008112"/>
+          </a:xfrm>
+          <a:prstGeom prst="roundRect">
+            <a:avLst>
+              <a:gd name="adj" fmla="val 8348"/>
+            </a:avLst>
+          </a:prstGeom>
+          <a:ln w="12700"/>
+        </p:spPr>
+        <p:style>
+          <a:lnRef idx="2">
+            <a:schemeClr val="dk1"/>
+          </a:lnRef>
+          <a:fillRef idx="1">
+            <a:schemeClr val="lt1"/>
+          </a:fillRef>
+          <a:effectRef idx="0">
+            <a:schemeClr val="dk1"/>
+          </a:effectRef>
+          <a:fontRef idx="minor">
+            <a:schemeClr val="dk1"/>
+          </a:fontRef>
+        </p:style>
+        <p:txBody>
+          <a:bodyPr rtlCol="0" anchor="t"/>
+          <a:lstStyle/>
+          <a:p>
+            <a:pPr algn="ctr"/>
+            <a:r>
+              <a:rPr lang="en-US" altLang="ko-KR" sz="1100" b="1"/>
+              <a:t>External</a:t>
+            </a:r>
+          </a:p>
+          <a:p>
+            <a:pPr algn="ctr"/>
+            <a:r>
+              <a:rPr lang="en-US" altLang="ko-KR" sz="1100" b="1"/>
+              <a:t>System</a:t>
+            </a:r>
+            <a:endParaRPr lang="ko-KR" altLang="en-US" sz="1100" b="1"/>
+          </a:p>
+        </p:txBody>
+      </p:sp>
+      <p:sp>
+        <p:nvSpPr>
+          <p:cNvPr id="13" name="사각형: 둥근 모서리 6">
+            <a:extLst>
+              <a:ext uri="{FF2B5EF4-FFF2-40B4-BE49-F238E27FC236}">
+                <a16:creationId xmlns:a16="http://schemas.microsoft.com/office/drawing/2014/main" id="{0837D031-5534-63CC-A838-07D5F965FBDE}"/>
+              </a:ext>
+            </a:extLst>
+          </p:cNvPr>
+          <p:cNvSpPr/>
+          <p:nvPr/>
+        </p:nvSpPr>
+        <p:spPr>
+          <a:xfrm>
+            <a:off x="4968044" y="4187648"/>
+            <a:ext cx="1008112" cy="314532"/>
+          </a:xfrm>
+          <a:prstGeom prst="roundRect">
+            <a:avLst>
+              <a:gd name="adj" fmla="val 21769"/>
+            </a:avLst>
+          </a:prstGeom>
+          <a:ln w="12700"/>
+        </p:spPr>
+        <p:style>
+          <a:lnRef idx="2">
+            <a:schemeClr val="dk1"/>
+          </a:lnRef>
+          <a:fillRef idx="1">
+            <a:schemeClr val="lt1"/>
+          </a:fillRef>
+          <a:effectRef idx="0">
+            <a:schemeClr val="dk1"/>
+          </a:effectRef>
+          <a:fontRef idx="minor">
+            <a:schemeClr val="dk1"/>
+          </a:fontRef>
+        </p:style>
+        <p:txBody>
+          <a:bodyPr rtlCol="0" anchor="ctr"/>
+          <a:lstStyle/>
+          <a:p>
+            <a:pPr algn="ctr"/>
+            <a:r>
+              <a:rPr lang="en-US" altLang="ko-KR" sz="1100"/>
+              <a:t>Security</a:t>
+            </a:r>
+            <a:endParaRPr lang="ko-KR" altLang="en-US" sz="1100"/>
+          </a:p>
+        </p:txBody>
+      </p:sp>
+      <p:sp>
+        <p:nvSpPr>
+          <p:cNvPr id="14" name="사각형: 둥근 모서리 6">
+            <a:extLst>
+              <a:ext uri="{FF2B5EF4-FFF2-40B4-BE49-F238E27FC236}">
+                <a16:creationId xmlns:a16="http://schemas.microsoft.com/office/drawing/2014/main" id="{552B23A7-DCD0-4011-B9D8-FE0C151877D5}"/>
+              </a:ext>
+            </a:extLst>
+          </p:cNvPr>
+          <p:cNvSpPr/>
+          <p:nvPr/>
+        </p:nvSpPr>
+        <p:spPr>
+          <a:xfrm>
+            <a:off x="3527883" y="4187648"/>
+            <a:ext cx="1008112" cy="314532"/>
+          </a:xfrm>
+          <a:prstGeom prst="roundRect">
+            <a:avLst>
+              <a:gd name="adj" fmla="val 21769"/>
+            </a:avLst>
+          </a:prstGeom>
+          <a:ln w="12700"/>
+        </p:spPr>
+        <p:style>
+          <a:lnRef idx="2">
+            <a:schemeClr val="dk1"/>
+          </a:lnRef>
+          <a:fillRef idx="1">
+            <a:schemeClr val="lt1"/>
+          </a:fillRef>
+          <a:effectRef idx="0">
+            <a:schemeClr val="dk1"/>
+          </a:effectRef>
+          <a:fontRef idx="minor">
+            <a:schemeClr val="dk1"/>
+          </a:fontRef>
+        </p:style>
+        <p:txBody>
+          <a:bodyPr rtlCol="0" anchor="ctr"/>
+          <a:lstStyle/>
+          <a:p>
+            <a:pPr algn="ctr"/>
+            <a:r>
+              <a:rPr lang="en-US" altLang="ko-KR" sz="1100"/>
+              <a:t>Infra</a:t>
+            </a:r>
+            <a:endParaRPr lang="ko-KR" altLang="en-US" sz="1100"/>
+          </a:p>
+        </p:txBody>
+      </p:sp>
+      <p:sp>
+        <p:nvSpPr>
+          <p:cNvPr id="15" name="사각형: 둥근 모서리 6">
+            <a:extLst>
+              <a:ext uri="{FF2B5EF4-FFF2-40B4-BE49-F238E27FC236}">
+                <a16:creationId xmlns:a16="http://schemas.microsoft.com/office/drawing/2014/main" id="{D9CA53F7-1F61-3AD1-AB68-38FA2323768F}"/>
+              </a:ext>
+            </a:extLst>
+          </p:cNvPr>
+          <p:cNvSpPr/>
+          <p:nvPr/>
+        </p:nvSpPr>
+        <p:spPr>
+          <a:xfrm>
+            <a:off x="6408205" y="4187648"/>
+            <a:ext cx="1008112" cy="314532"/>
+          </a:xfrm>
+          <a:prstGeom prst="roundRect">
+            <a:avLst>
+              <a:gd name="adj" fmla="val 21769"/>
+            </a:avLst>
+          </a:prstGeom>
+          <a:ln w="12700"/>
+        </p:spPr>
+        <p:style>
+          <a:lnRef idx="2">
+            <a:schemeClr val="dk1"/>
+          </a:lnRef>
+          <a:fillRef idx="1">
+            <a:schemeClr val="lt1"/>
+          </a:fillRef>
+          <a:effectRef idx="0">
+            <a:schemeClr val="dk1"/>
+          </a:effectRef>
+          <a:fontRef idx="minor">
+            <a:schemeClr val="dk1"/>
+          </a:fontRef>
+        </p:style>
+        <p:txBody>
+          <a:bodyPr rtlCol="0" anchor="ctr"/>
+          <a:lstStyle/>
+          <a:p>
+            <a:pPr algn="ctr"/>
+            <a:r>
+              <a:rPr lang="en-US" altLang="ko-KR" sz="1100"/>
+              <a:t>Monitoring</a:t>
+            </a:r>
+            <a:endParaRPr lang="ko-KR" altLang="en-US" sz="1100"/>
+          </a:p>
+        </p:txBody>
+      </p:sp>
+      <p:sp>
+        <p:nvSpPr>
+          <p:cNvPr id="16" name="사각형: 둥근 모서리 6">
+            <a:extLst>
+              <a:ext uri="{FF2B5EF4-FFF2-40B4-BE49-F238E27FC236}">
+                <a16:creationId xmlns:a16="http://schemas.microsoft.com/office/drawing/2014/main" id="{F2F23551-D0F5-6CFF-DEC0-367B1C9151F3}"/>
+              </a:ext>
+            </a:extLst>
+          </p:cNvPr>
+          <p:cNvSpPr/>
+          <p:nvPr/>
+        </p:nvSpPr>
+        <p:spPr>
+          <a:xfrm>
+            <a:off x="3527883" y="3156459"/>
+            <a:ext cx="1008112" cy="314532"/>
+          </a:xfrm>
+          <a:prstGeom prst="roundRect">
+            <a:avLst>
+              <a:gd name="adj" fmla="val 21769"/>
+            </a:avLst>
+          </a:prstGeom>
+          <a:ln w="12700"/>
+        </p:spPr>
+        <p:style>
+          <a:lnRef idx="2">
+            <a:schemeClr val="dk1"/>
+          </a:lnRef>
+          <a:fillRef idx="1">
+            <a:schemeClr val="lt1"/>
+          </a:fillRef>
+          <a:effectRef idx="0">
+            <a:schemeClr val="dk1"/>
+          </a:effectRef>
+          <a:fontRef idx="minor">
+            <a:schemeClr val="dk1"/>
+          </a:fontRef>
+        </p:style>
+        <p:txBody>
+          <a:bodyPr rtlCol="0" anchor="ctr"/>
+          <a:lstStyle/>
+          <a:p>
+            <a:pPr algn="ctr"/>
+            <a:r>
+              <a:rPr lang="en-US" altLang="ko-KR" sz="1100"/>
+              <a:t>ODS</a:t>
+            </a:r>
+            <a:endParaRPr lang="ko-KR" altLang="en-US" sz="1100"/>
+          </a:p>
+        </p:txBody>
+      </p:sp>
+      <p:sp>
+        <p:nvSpPr>
+          <p:cNvPr id="17" name="사각형: 둥근 모서리 6">
+            <a:extLst>
+              <a:ext uri="{FF2B5EF4-FFF2-40B4-BE49-F238E27FC236}">
+                <a16:creationId xmlns:a16="http://schemas.microsoft.com/office/drawing/2014/main" id="{A3E4DA13-B23C-3D48-5146-B7D0094F6A58}"/>
+              </a:ext>
+            </a:extLst>
+          </p:cNvPr>
+          <p:cNvSpPr/>
+          <p:nvPr/>
+        </p:nvSpPr>
+        <p:spPr>
+          <a:xfrm>
+            <a:off x="4968044" y="3155996"/>
+            <a:ext cx="1008112" cy="314532"/>
+          </a:xfrm>
+          <a:prstGeom prst="roundRect">
+            <a:avLst>
+              <a:gd name="adj" fmla="val 21769"/>
+            </a:avLst>
+          </a:prstGeom>
+          <a:ln w="12700"/>
+        </p:spPr>
+        <p:style>
+          <a:lnRef idx="2">
+            <a:schemeClr val="dk1"/>
+          </a:lnRef>
+          <a:fillRef idx="1">
+            <a:schemeClr val="lt1"/>
+          </a:fillRef>
+          <a:effectRef idx="0">
+            <a:schemeClr val="dk1"/>
+          </a:effectRef>
+          <a:fontRef idx="minor">
+            <a:schemeClr val="dk1"/>
+          </a:fontRef>
+        </p:style>
+        <p:txBody>
+          <a:bodyPr rtlCol="0" anchor="ctr"/>
+          <a:lstStyle/>
+          <a:p>
+            <a:pPr algn="ctr"/>
+            <a:r>
+              <a:rPr lang="en-US" altLang="ko-KR" sz="1100"/>
+              <a:t>EDW</a:t>
+            </a:r>
+            <a:endParaRPr lang="ko-KR" altLang="en-US" sz="1100"/>
+          </a:p>
+        </p:txBody>
+      </p:sp>
+      <p:sp>
+        <p:nvSpPr>
+          <p:cNvPr id="18" name="사각형: 둥근 모서리 6">
+            <a:extLst>
+              <a:ext uri="{FF2B5EF4-FFF2-40B4-BE49-F238E27FC236}">
+                <a16:creationId xmlns:a16="http://schemas.microsoft.com/office/drawing/2014/main" id="{57F61DB1-3DA3-1EB9-247A-8430AF590431}"/>
+              </a:ext>
+            </a:extLst>
+          </p:cNvPr>
+          <p:cNvSpPr/>
+          <p:nvPr/>
+        </p:nvSpPr>
+        <p:spPr>
+          <a:xfrm>
+            <a:off x="6408205" y="3155996"/>
+            <a:ext cx="1008112" cy="314532"/>
+          </a:xfrm>
+          <a:prstGeom prst="roundRect">
+            <a:avLst>
+              <a:gd name="adj" fmla="val 21769"/>
+            </a:avLst>
+          </a:prstGeom>
+          <a:ln w="12700"/>
+        </p:spPr>
+        <p:style>
+          <a:lnRef idx="2">
+            <a:schemeClr val="dk1"/>
+          </a:lnRef>
+          <a:fillRef idx="1">
+            <a:schemeClr val="lt1"/>
+          </a:fillRef>
+          <a:effectRef idx="0">
+            <a:schemeClr val="dk1"/>
+          </a:effectRef>
+          <a:fontRef idx="minor">
+            <a:schemeClr val="dk1"/>
+          </a:fontRef>
+        </p:style>
+        <p:txBody>
+          <a:bodyPr rtlCol="0" anchor="ctr"/>
+          <a:lstStyle/>
+          <a:p>
+            <a:pPr algn="ctr"/>
+            <a:r>
+              <a:rPr lang="en-US" altLang="ko-KR" sz="1100"/>
+              <a:t>Data Mart</a:t>
+            </a:r>
+            <a:endParaRPr lang="ko-KR" altLang="en-US" sz="1100"/>
+          </a:p>
+        </p:txBody>
+      </p:sp>
+      <p:sp>
+        <p:nvSpPr>
+          <p:cNvPr id="26" name="사각형: 둥근 모서리 6">
+            <a:extLst>
+              <a:ext uri="{FF2B5EF4-FFF2-40B4-BE49-F238E27FC236}">
+                <a16:creationId xmlns:a16="http://schemas.microsoft.com/office/drawing/2014/main" id="{CACA984A-D56D-C2FF-6F2D-A871675D442C}"/>
+              </a:ext>
+            </a:extLst>
+          </p:cNvPr>
+          <p:cNvSpPr/>
+          <p:nvPr/>
+        </p:nvSpPr>
+        <p:spPr>
+          <a:xfrm>
+            <a:off x="3527882" y="2149172"/>
+            <a:ext cx="1764197" cy="314532"/>
+          </a:xfrm>
+          <a:prstGeom prst="roundRect">
+            <a:avLst>
+              <a:gd name="adj" fmla="val 21769"/>
+            </a:avLst>
+          </a:prstGeom>
+          <a:ln w="12700"/>
+        </p:spPr>
+        <p:style>
+          <a:lnRef idx="2">
+            <a:schemeClr val="dk1"/>
+          </a:lnRef>
+          <a:fillRef idx="1">
+            <a:schemeClr val="lt1"/>
+          </a:fillRef>
+          <a:effectRef idx="0">
+            <a:schemeClr val="dk1"/>
+          </a:effectRef>
+          <a:fontRef idx="minor">
+            <a:schemeClr val="dk1"/>
+          </a:fontRef>
+        </p:style>
+        <p:txBody>
+          <a:bodyPr rtlCol="0" anchor="ctr"/>
+          <a:lstStyle/>
+          <a:p>
+            <a:pPr algn="ctr"/>
+            <a:r>
+              <a:rPr lang="en-US" altLang="ko-KR" sz="1100"/>
+              <a:t>Bank Service</a:t>
+            </a:r>
+            <a:endParaRPr lang="ko-KR" altLang="en-US" sz="1100"/>
+          </a:p>
+        </p:txBody>
+      </p:sp>
+      <p:sp>
+        <p:nvSpPr>
+          <p:cNvPr id="27" name="사각형: 둥근 모서리 6">
+            <a:extLst>
+              <a:ext uri="{FF2B5EF4-FFF2-40B4-BE49-F238E27FC236}">
+                <a16:creationId xmlns:a16="http://schemas.microsoft.com/office/drawing/2014/main" id="{B8D897C2-F684-5E57-E9FC-4B081F7E483E}"/>
+              </a:ext>
+            </a:extLst>
+          </p:cNvPr>
+          <p:cNvSpPr/>
+          <p:nvPr/>
+        </p:nvSpPr>
+        <p:spPr>
+          <a:xfrm>
+            <a:off x="5580115" y="2149172"/>
+            <a:ext cx="1836202" cy="314532"/>
+          </a:xfrm>
+          <a:prstGeom prst="roundRect">
+            <a:avLst>
+              <a:gd name="adj" fmla="val 21769"/>
+            </a:avLst>
+          </a:prstGeom>
+          <a:ln w="12700"/>
+        </p:spPr>
+        <p:style>
+          <a:lnRef idx="2">
+            <a:schemeClr val="dk1"/>
+          </a:lnRef>
+          <a:fillRef idx="1">
+            <a:schemeClr val="lt1"/>
+          </a:fillRef>
+          <a:effectRef idx="0">
+            <a:schemeClr val="dk1"/>
+          </a:effectRef>
+          <a:fontRef idx="minor">
+            <a:schemeClr val="dk1"/>
+          </a:fontRef>
+        </p:style>
+        <p:txBody>
+          <a:bodyPr rtlCol="0" anchor="ctr"/>
+          <a:lstStyle/>
+          <a:p>
+            <a:pPr algn="ctr"/>
+            <a:r>
+              <a:rPr lang="en-US" altLang="ko-KR" sz="1100"/>
+              <a:t>Securities Services</a:t>
+            </a:r>
+            <a:endParaRPr lang="ko-KR" altLang="en-US" sz="1100"/>
+          </a:p>
+        </p:txBody>
+      </p:sp>
+      <p:sp>
+        <p:nvSpPr>
+          <p:cNvPr id="29" name="사각형: 둥근 모서리 6">
+            <a:extLst>
+              <a:ext uri="{FF2B5EF4-FFF2-40B4-BE49-F238E27FC236}">
+                <a16:creationId xmlns:a16="http://schemas.microsoft.com/office/drawing/2014/main" id="{D409DF41-DA87-F5DA-99D2-162276625F30}"/>
+              </a:ext>
+            </a:extLst>
+          </p:cNvPr>
+          <p:cNvSpPr/>
+          <p:nvPr/>
+        </p:nvSpPr>
+        <p:spPr>
+          <a:xfrm>
+            <a:off x="2025930" y="4187648"/>
+            <a:ext cx="1008112" cy="314532"/>
+          </a:xfrm>
+          <a:prstGeom prst="roundRect">
+            <a:avLst>
+              <a:gd name="adj" fmla="val 21769"/>
+            </a:avLst>
+          </a:prstGeom>
+          <a:ln w="12700"/>
+        </p:spPr>
+        <p:style>
+          <a:lnRef idx="2">
+            <a:schemeClr val="dk1"/>
+          </a:lnRef>
+          <a:fillRef idx="1">
+            <a:schemeClr val="lt1"/>
+          </a:fillRef>
+          <a:effectRef idx="0">
+            <a:schemeClr val="dk1"/>
+          </a:effectRef>
+          <a:fontRef idx="minor">
+            <a:schemeClr val="dk1"/>
+          </a:fontRef>
+        </p:style>
+        <p:txBody>
+          <a:bodyPr rtlCol="0" anchor="ctr"/>
+          <a:lstStyle/>
+          <a:p>
+            <a:pPr algn="ctr"/>
+            <a:r>
+              <a:rPr lang="en-US" altLang="ko-KR" sz="1100"/>
+              <a:t>PEP</a:t>
+            </a:r>
+            <a:endParaRPr lang="ko-KR" altLang="en-US" sz="1100"/>
+          </a:p>
+        </p:txBody>
+      </p:sp>
+      <p:sp>
+        <p:nvSpPr>
+          <p:cNvPr id="32" name="사각형: 둥근 모서리 6">
+            <a:extLst>
+              <a:ext uri="{FF2B5EF4-FFF2-40B4-BE49-F238E27FC236}">
+                <a16:creationId xmlns:a16="http://schemas.microsoft.com/office/drawing/2014/main" id="{C472DA8D-6333-523C-4EDB-518C576837B6}"/>
+              </a:ext>
+            </a:extLst>
+          </p:cNvPr>
+          <p:cNvSpPr/>
+          <p:nvPr/>
+        </p:nvSpPr>
+        <p:spPr>
+          <a:xfrm>
+            <a:off x="2025930" y="2287082"/>
+            <a:ext cx="1008112" cy="314532"/>
+          </a:xfrm>
+          <a:prstGeom prst="roundRect">
+            <a:avLst>
+              <a:gd name="adj" fmla="val 21769"/>
+            </a:avLst>
+          </a:prstGeom>
+          <a:ln w="12700"/>
+        </p:spPr>
+        <p:style>
+          <a:lnRef idx="2">
+            <a:schemeClr val="dk1"/>
+          </a:lnRef>
+          <a:fillRef idx="1">
+            <a:schemeClr val="lt1"/>
+          </a:fillRef>
+          <a:effectRef idx="0">
+            <a:schemeClr val="dk1"/>
+          </a:effectRef>
+          <a:fontRef idx="minor">
+            <a:schemeClr val="dk1"/>
+          </a:fontRef>
+        </p:style>
+        <p:txBody>
+          <a:bodyPr rtlCol="0" anchor="ctr"/>
+          <a:lstStyle/>
+          <a:p>
+            <a:pPr algn="ctr"/>
+            <a:r>
+              <a:rPr lang="en-US" altLang="ko-KR" sz="1100"/>
+              <a:t>Web</a:t>
+            </a:r>
+            <a:endParaRPr lang="ko-KR" altLang="en-US" sz="1100"/>
+          </a:p>
+        </p:txBody>
+      </p:sp>
+      <p:sp>
+        <p:nvSpPr>
+          <p:cNvPr id="33" name="사각형: 둥근 모서리 6">
+            <a:extLst>
+              <a:ext uri="{FF2B5EF4-FFF2-40B4-BE49-F238E27FC236}">
+                <a16:creationId xmlns:a16="http://schemas.microsoft.com/office/drawing/2014/main" id="{1225AC5B-8561-83E2-D9CE-66237FB779B7}"/>
+              </a:ext>
+            </a:extLst>
+          </p:cNvPr>
+          <p:cNvSpPr/>
+          <p:nvPr/>
+        </p:nvSpPr>
+        <p:spPr>
+          <a:xfrm>
+            <a:off x="2025930" y="2998730"/>
+            <a:ext cx="1008112" cy="314532"/>
+          </a:xfrm>
+          <a:prstGeom prst="roundRect">
+            <a:avLst>
+              <a:gd name="adj" fmla="val 21769"/>
+            </a:avLst>
+          </a:prstGeom>
+          <a:ln w="12700"/>
+        </p:spPr>
+        <p:style>
+          <a:lnRef idx="2">
+            <a:schemeClr val="dk1"/>
+          </a:lnRef>
+          <a:fillRef idx="1">
+            <a:schemeClr val="lt1"/>
+          </a:fillRef>
+          <a:effectRef idx="0">
+            <a:schemeClr val="dk1"/>
+          </a:effectRef>
+          <a:fontRef idx="minor">
+            <a:schemeClr val="dk1"/>
+          </a:fontRef>
+        </p:style>
+        <p:txBody>
+          <a:bodyPr rtlCol="0" anchor="ctr"/>
+          <a:lstStyle/>
+          <a:p>
+            <a:pPr algn="ctr"/>
+            <a:r>
+              <a:rPr lang="en-US" altLang="ko-KR" sz="1100"/>
+              <a:t>Mobile</a:t>
+            </a:r>
+            <a:endParaRPr lang="ko-KR" altLang="en-US" sz="1100"/>
+          </a:p>
+        </p:txBody>
+      </p:sp>
+      <p:cxnSp>
+        <p:nvCxnSpPr>
+          <p:cNvPr id="41" name="Elbow Connector 40">
+            <a:extLst>
+              <a:ext uri="{FF2B5EF4-FFF2-40B4-BE49-F238E27FC236}">
+                <a16:creationId xmlns:a16="http://schemas.microsoft.com/office/drawing/2014/main" id="{E7B2F105-51B3-807F-7023-2F6E5B0AC772}"/>
+              </a:ext>
+            </a:extLst>
+          </p:cNvPr>
+          <p:cNvCxnSpPr>
+            <a:cxnSpLocks/>
+            <a:stCxn id="32" idx="3"/>
+            <a:endCxn id="40" idx="1"/>
+          </p:cNvCxnSpPr>
+          <p:nvPr/>
+        </p:nvCxnSpPr>
+        <p:spPr>
+          <a:xfrm flipV="1">
+            <a:off x="3034042" y="2049589"/>
+            <a:ext cx="396048" cy="394759"/>
+          </a:xfrm>
+          <a:prstGeom prst="bentConnector3">
+            <a:avLst>
+              <a:gd name="adj1" fmla="val 50000"/>
+            </a:avLst>
+          </a:prstGeom>
+          <a:ln w="19050">
+            <a:solidFill>
+              <a:schemeClr val="tx2"/>
+            </a:solidFill>
+            <a:tailEnd type="triangle"/>
+          </a:ln>
+        </p:spPr>
+        <p:style>
+          <a:lnRef idx="1">
+            <a:schemeClr val="accent1"/>
+          </a:lnRef>
+          <a:fillRef idx="0">
+            <a:schemeClr val="accent1"/>
+          </a:fillRef>
+          <a:effectRef idx="0">
+            <a:schemeClr val="accent1"/>
+          </a:effectRef>
+          <a:fontRef idx="minor">
+            <a:schemeClr val="tx1"/>
+          </a:fontRef>
+        </p:style>
+      </p:cxnSp>
+      <p:cxnSp>
+        <p:nvCxnSpPr>
+          <p:cNvPr id="50" name="Elbow Connector 49">
+            <a:extLst>
+              <a:ext uri="{FF2B5EF4-FFF2-40B4-BE49-F238E27FC236}">
+                <a16:creationId xmlns:a16="http://schemas.microsoft.com/office/drawing/2014/main" id="{23AAA386-FEE5-AC35-6488-AA6ACF143CB9}"/>
+              </a:ext>
+            </a:extLst>
+          </p:cNvPr>
+          <p:cNvCxnSpPr>
+            <a:cxnSpLocks/>
+            <a:stCxn id="26" idx="2"/>
+            <a:endCxn id="16" idx="0"/>
+          </p:cNvCxnSpPr>
+          <p:nvPr/>
+        </p:nvCxnSpPr>
+        <p:spPr>
+          <a:xfrm rot="5400000">
+            <a:off x="3874583" y="2621060"/>
+            <a:ext cx="692755" cy="378042"/>
+          </a:xfrm>
+          <a:prstGeom prst="bentConnector3">
+            <a:avLst>
+              <a:gd name="adj1" fmla="val 50000"/>
+            </a:avLst>
+          </a:prstGeom>
+          <a:ln w="19050">
+            <a:solidFill>
+              <a:schemeClr val="tx2"/>
+            </a:solidFill>
+            <a:tailEnd type="triangle"/>
+          </a:ln>
+        </p:spPr>
+        <p:style>
+          <a:lnRef idx="1">
+            <a:schemeClr val="accent1"/>
+          </a:lnRef>
+          <a:fillRef idx="0">
+            <a:schemeClr val="accent1"/>
+          </a:fillRef>
+          <a:effectRef idx="0">
+            <a:schemeClr val="accent1"/>
+          </a:effectRef>
+          <a:fontRef idx="minor">
+            <a:schemeClr val="tx1"/>
+          </a:fontRef>
+        </p:style>
+      </p:cxnSp>
+      <p:cxnSp>
+        <p:nvCxnSpPr>
+          <p:cNvPr id="53" name="Elbow Connector 52">
+            <a:extLst>
+              <a:ext uri="{FF2B5EF4-FFF2-40B4-BE49-F238E27FC236}">
+                <a16:creationId xmlns:a16="http://schemas.microsoft.com/office/drawing/2014/main" id="{49CD8531-EFBC-A7FC-6E8A-B215259BD2E1}"/>
+              </a:ext>
+            </a:extLst>
+          </p:cNvPr>
+          <p:cNvCxnSpPr>
+            <a:cxnSpLocks/>
+            <a:stCxn id="27" idx="2"/>
+            <a:endCxn id="16" idx="0"/>
+          </p:cNvCxnSpPr>
+          <p:nvPr/>
+        </p:nvCxnSpPr>
+        <p:spPr>
+          <a:xfrm rot="5400000">
+            <a:off x="4918701" y="1576943"/>
+            <a:ext cx="692755" cy="2466277"/>
+          </a:xfrm>
+          <a:prstGeom prst="bentConnector3">
+            <a:avLst>
+              <a:gd name="adj1" fmla="val 50000"/>
+            </a:avLst>
+          </a:prstGeom>
+          <a:ln w="19050">
+            <a:solidFill>
+              <a:schemeClr val="tx2"/>
+            </a:solidFill>
+            <a:tailEnd type="triangle"/>
+          </a:ln>
+        </p:spPr>
+        <p:style>
+          <a:lnRef idx="1">
+            <a:schemeClr val="accent1"/>
+          </a:lnRef>
+          <a:fillRef idx="0">
+            <a:schemeClr val="accent1"/>
+          </a:fillRef>
+          <a:effectRef idx="0">
+            <a:schemeClr val="accent1"/>
+          </a:effectRef>
+          <a:fontRef idx="minor">
+            <a:schemeClr val="tx1"/>
+          </a:fontRef>
+        </p:style>
+      </p:cxnSp>
+      <p:sp>
+        <p:nvSpPr>
+          <p:cNvPr id="56" name="사각형: 둥근 모서리 38">
+            <a:extLst>
+              <a:ext uri="{FF2B5EF4-FFF2-40B4-BE49-F238E27FC236}">
+                <a16:creationId xmlns:a16="http://schemas.microsoft.com/office/drawing/2014/main" id="{727F4747-AA41-3E8A-D584-DD411C0CAB08}"/>
+              </a:ext>
+            </a:extLst>
+          </p:cNvPr>
+          <p:cNvSpPr/>
+          <p:nvPr/>
+        </p:nvSpPr>
+        <p:spPr>
+          <a:xfrm>
+            <a:off x="868692" y="3075806"/>
+            <a:ext cx="648072" cy="261154"/>
+          </a:xfrm>
+          <a:prstGeom prst="roundRect">
+            <a:avLst>
+              <a:gd name="adj" fmla="val 15249"/>
+            </a:avLst>
+          </a:prstGeom>
+          <a:noFill/>
+          <a:ln>
+            <a:noFill/>
+          </a:ln>
+        </p:spPr>
+        <p:style>
+          <a:lnRef idx="2">
+            <a:schemeClr val="dk1"/>
+          </a:lnRef>
+          <a:fillRef idx="1">
+            <a:schemeClr val="lt1"/>
+          </a:fillRef>
+          <a:effectRef idx="0">
+            <a:schemeClr val="dk1"/>
+          </a:effectRef>
+          <a:fontRef idx="minor">
+            <a:schemeClr val="dk1"/>
+          </a:fontRef>
+        </p:style>
+        <p:txBody>
+          <a:bodyPr rtlCol="0" anchor="ctr"/>
+          <a:lstStyle/>
+          <a:p>
+            <a:pPr algn="ctr"/>
+            <a:r>
+              <a:rPr lang="en-US" altLang="ko-KR" sz="1100"/>
+              <a:t>User</a:t>
+            </a:r>
+          </a:p>
+        </p:txBody>
+      </p:sp>
+      <p:cxnSp>
+        <p:nvCxnSpPr>
+          <p:cNvPr id="57" name="Elbow Connector 56">
+            <a:extLst>
+              <a:ext uri="{FF2B5EF4-FFF2-40B4-BE49-F238E27FC236}">
+                <a16:creationId xmlns:a16="http://schemas.microsoft.com/office/drawing/2014/main" id="{1F7639C5-EC56-19EE-F3F3-99BD01796EED}"/>
+              </a:ext>
+            </a:extLst>
+          </p:cNvPr>
+          <p:cNvCxnSpPr>
+            <a:cxnSpLocks/>
+            <a:stCxn id="31" idx="3"/>
+            <a:endCxn id="32" idx="1"/>
+          </p:cNvCxnSpPr>
+          <p:nvPr/>
+        </p:nvCxnSpPr>
+        <p:spPr>
+          <a:xfrm flipV="1">
+            <a:off x="1447736" y="2444348"/>
+            <a:ext cx="578194" cy="379309"/>
+          </a:xfrm>
+          <a:prstGeom prst="bentConnector3">
+            <a:avLst>
+              <a:gd name="adj1" fmla="val 50000"/>
+            </a:avLst>
+          </a:prstGeom>
+          <a:ln w="19050">
+            <a:solidFill>
+              <a:schemeClr val="tx2"/>
+            </a:solidFill>
+            <a:tailEnd type="triangle"/>
+          </a:ln>
+        </p:spPr>
+        <p:style>
+          <a:lnRef idx="1">
+            <a:schemeClr val="accent1"/>
+          </a:lnRef>
+          <a:fillRef idx="0">
+            <a:schemeClr val="accent1"/>
+          </a:fillRef>
+          <a:effectRef idx="0">
+            <a:schemeClr val="accent1"/>
+          </a:effectRef>
+          <a:fontRef idx="minor">
+            <a:schemeClr val="tx1"/>
+          </a:fontRef>
+        </p:style>
+      </p:cxnSp>
+      <p:cxnSp>
+        <p:nvCxnSpPr>
+          <p:cNvPr id="60" name="Elbow Connector 59">
+            <a:extLst>
+              <a:ext uri="{FF2B5EF4-FFF2-40B4-BE49-F238E27FC236}">
+                <a16:creationId xmlns:a16="http://schemas.microsoft.com/office/drawing/2014/main" id="{7005669C-2A1A-C8D5-1DBF-46C8F05147A3}"/>
+              </a:ext>
+            </a:extLst>
+          </p:cNvPr>
+          <p:cNvCxnSpPr>
+            <a:cxnSpLocks/>
+            <a:stCxn id="31" idx="3"/>
+            <a:endCxn id="33" idx="1"/>
+          </p:cNvCxnSpPr>
+          <p:nvPr/>
+        </p:nvCxnSpPr>
+        <p:spPr>
+          <a:xfrm>
+            <a:off x="1447736" y="2823657"/>
+            <a:ext cx="578194" cy="332339"/>
+          </a:xfrm>
+          <a:prstGeom prst="bentConnector3">
+            <a:avLst>
+              <a:gd name="adj1" fmla="val 50000"/>
+            </a:avLst>
+          </a:prstGeom>
+          <a:ln w="19050">
+            <a:solidFill>
+              <a:schemeClr val="tx2"/>
+            </a:solidFill>
+            <a:tailEnd type="triangle"/>
+          </a:ln>
+        </p:spPr>
+        <p:style>
+          <a:lnRef idx="1">
+            <a:schemeClr val="accent1"/>
+          </a:lnRef>
+          <a:fillRef idx="0">
+            <a:schemeClr val="accent1"/>
+          </a:fillRef>
+          <a:effectRef idx="0">
+            <a:schemeClr val="accent1"/>
+          </a:effectRef>
+          <a:fontRef idx="minor">
+            <a:schemeClr val="tx1"/>
+          </a:fontRef>
+        </p:style>
+      </p:cxnSp>
+      <p:pic>
+        <p:nvPicPr>
+          <p:cNvPr id="1028" name="Picture 4" descr="System - Free business and finance icons">
+            <a:extLst>
+              <a:ext uri="{FF2B5EF4-FFF2-40B4-BE49-F238E27FC236}">
+                <a16:creationId xmlns:a16="http://schemas.microsoft.com/office/drawing/2014/main" id="{BA4C49F1-AEAE-A30C-A4B7-49ED4C0BFCAE}"/>
+              </a:ext>
+            </a:extLst>
+          </p:cNvPr>
+          <p:cNvPicPr>
+            <a:picLocks noChangeAspect="1" noChangeArrowheads="1"/>
+          </p:cNvPicPr>
+          <p:nvPr/>
+        </p:nvPicPr>
+        <p:blipFill>
+          <a:blip r:embed="rId2">
+            <a:extLst>
+              <a:ext uri="{28A0092B-C50C-407E-A947-70E740481C1C}">
+                <a14:useLocalDpi xmlns:a14="http://schemas.microsoft.com/office/drawing/2010/main" val="0"/>
+              </a:ext>
+            </a:extLst>
+          </a:blip>
+          <a:srcRect/>
+          <a:stretch>
+            <a:fillRect/>
+          </a:stretch>
+        </p:blipFill>
+        <p:spPr bwMode="auto">
+          <a:xfrm>
+            <a:off x="942488" y="3711401"/>
+            <a:ext cx="507250" cy="507250"/>
+          </a:xfrm>
+          <a:prstGeom prst="rect">
+            <a:avLst/>
+          </a:prstGeom>
+          <a:noFill/>
+          <a:extLst>
+            <a:ext uri="{909E8E84-426E-40DD-AFC4-6F175D3DCCD1}">
+              <a14:hiddenFill xmlns:a14="http://schemas.microsoft.com/office/drawing/2010/main">
+                <a:solidFill>
+                  <a:srgbClr val="FFFFFF"/>
+                </a:solidFill>
+              </a14:hiddenFill>
+            </a:ext>
+          </a:extLst>
+        </p:spPr>
+      </p:pic>
+      <p:sp>
+        <p:nvSpPr>
+          <p:cNvPr id="1025" name="사각형: 둥근 모서리 38">
+            <a:extLst>
+              <a:ext uri="{FF2B5EF4-FFF2-40B4-BE49-F238E27FC236}">
+                <a16:creationId xmlns:a16="http://schemas.microsoft.com/office/drawing/2014/main" id="{0FA4C4A5-958B-10F0-894B-716FBC5E447B}"/>
+              </a:ext>
+            </a:extLst>
+          </p:cNvPr>
+          <p:cNvSpPr/>
+          <p:nvPr/>
+        </p:nvSpPr>
+        <p:spPr>
+          <a:xfrm>
+            <a:off x="769174" y="4253967"/>
+            <a:ext cx="853877" cy="261154"/>
+          </a:xfrm>
+          <a:prstGeom prst="roundRect">
+            <a:avLst>
+              <a:gd name="adj" fmla="val 15249"/>
+            </a:avLst>
+          </a:prstGeom>
+          <a:noFill/>
+          <a:ln>
+            <a:noFill/>
+          </a:ln>
+        </p:spPr>
+        <p:style>
+          <a:lnRef idx="2">
+            <a:schemeClr val="dk1"/>
+          </a:lnRef>
+          <a:fillRef idx="1">
+            <a:schemeClr val="lt1"/>
+          </a:fillRef>
+          <a:effectRef idx="0">
+            <a:schemeClr val="dk1"/>
+          </a:effectRef>
+          <a:fontRef idx="minor">
+            <a:schemeClr val="dk1"/>
+          </a:fontRef>
+        </p:style>
+        <p:txBody>
+          <a:bodyPr rtlCol="0" anchor="ctr"/>
+          <a:lstStyle/>
+          <a:p>
+            <a:pPr algn="ctr"/>
+            <a:r>
+              <a:rPr lang="en-US" altLang="ko-KR" sz="1100"/>
+              <a:t>External System</a:t>
+            </a:r>
+          </a:p>
+        </p:txBody>
+      </p:sp>
+      <p:cxnSp>
+        <p:nvCxnSpPr>
+          <p:cNvPr id="1032" name="Straight Arrow Connector 1031">
+            <a:extLst>
+              <a:ext uri="{FF2B5EF4-FFF2-40B4-BE49-F238E27FC236}">
+                <a16:creationId xmlns:a16="http://schemas.microsoft.com/office/drawing/2014/main" id="{3B4738D3-9ADE-8B5F-2A2B-7184570F064A}"/>
+              </a:ext>
+            </a:extLst>
+          </p:cNvPr>
+          <p:cNvCxnSpPr>
+            <a:stCxn id="16" idx="3"/>
+            <a:endCxn id="17" idx="1"/>
+          </p:cNvCxnSpPr>
+          <p:nvPr/>
+        </p:nvCxnSpPr>
+        <p:spPr>
+          <a:xfrm flipV="1">
+            <a:off x="4535995" y="3313262"/>
+            <a:ext cx="432049" cy="463"/>
+          </a:xfrm>
+          <a:prstGeom prst="straightConnector1">
+            <a:avLst/>
+          </a:prstGeom>
+          <a:ln w="19050">
+            <a:solidFill>
+              <a:schemeClr val="tx2"/>
+            </a:solidFill>
+            <a:tailEnd type="triangle"/>
+          </a:ln>
+        </p:spPr>
+        <p:style>
+          <a:lnRef idx="1">
+            <a:schemeClr val="accent1"/>
+          </a:lnRef>
+          <a:fillRef idx="0">
+            <a:schemeClr val="accent1"/>
+          </a:fillRef>
+          <a:effectRef idx="0">
+            <a:schemeClr val="accent1"/>
+          </a:effectRef>
+          <a:fontRef idx="minor">
+            <a:schemeClr val="tx1"/>
+          </a:fontRef>
+        </p:style>
+      </p:cxnSp>
+      <p:cxnSp>
+        <p:nvCxnSpPr>
+          <p:cNvPr id="1033" name="Straight Arrow Connector 1032">
+            <a:extLst>
+              <a:ext uri="{FF2B5EF4-FFF2-40B4-BE49-F238E27FC236}">
+                <a16:creationId xmlns:a16="http://schemas.microsoft.com/office/drawing/2014/main" id="{AC03DE05-E4A2-A720-3CC8-5DCB262EC599}"/>
+              </a:ext>
+            </a:extLst>
+          </p:cNvPr>
+          <p:cNvCxnSpPr>
+            <a:cxnSpLocks/>
+            <a:stCxn id="17" idx="3"/>
+            <a:endCxn id="18" idx="1"/>
+          </p:cNvCxnSpPr>
+          <p:nvPr/>
+        </p:nvCxnSpPr>
+        <p:spPr>
+          <a:xfrm>
+            <a:off x="5976156" y="3313262"/>
+            <a:ext cx="432049" cy="0"/>
+          </a:xfrm>
+          <a:prstGeom prst="straightConnector1">
+            <a:avLst/>
+          </a:prstGeom>
+          <a:ln w="19050">
+            <a:solidFill>
+              <a:schemeClr val="tx2"/>
+            </a:solidFill>
+            <a:tailEnd type="triangle"/>
+          </a:ln>
+        </p:spPr>
+        <p:style>
+          <a:lnRef idx="1">
+            <a:schemeClr val="accent1"/>
+          </a:lnRef>
+          <a:fillRef idx="0">
+            <a:schemeClr val="accent1"/>
+          </a:fillRef>
+          <a:effectRef idx="0">
+            <a:schemeClr val="accent1"/>
+          </a:effectRef>
+          <a:fontRef idx="minor">
+            <a:schemeClr val="tx1"/>
+          </a:fontRef>
+        </p:style>
+      </p:cxnSp>
+      <p:cxnSp>
+        <p:nvCxnSpPr>
+          <p:cNvPr id="1048" name="Elbow Connector 1047">
+            <a:extLst>
+              <a:ext uri="{FF2B5EF4-FFF2-40B4-BE49-F238E27FC236}">
+                <a16:creationId xmlns:a16="http://schemas.microsoft.com/office/drawing/2014/main" id="{45193AC1-0CD8-3E0A-65CE-67D6892EF4E0}"/>
+              </a:ext>
+            </a:extLst>
+          </p:cNvPr>
+          <p:cNvCxnSpPr>
+            <a:cxnSpLocks/>
+            <a:stCxn id="33" idx="3"/>
+            <a:endCxn id="40" idx="1"/>
+          </p:cNvCxnSpPr>
+          <p:nvPr/>
+        </p:nvCxnSpPr>
+        <p:spPr>
+          <a:xfrm flipV="1">
+            <a:off x="3034042" y="2049589"/>
+            <a:ext cx="396048" cy="1106407"/>
+          </a:xfrm>
+          <a:prstGeom prst="bentConnector3">
+            <a:avLst>
+              <a:gd name="adj1" fmla="val 50000"/>
+            </a:avLst>
+          </a:prstGeom>
+          <a:ln w="19050">
+            <a:solidFill>
+              <a:schemeClr val="tx2"/>
+            </a:solidFill>
+            <a:tailEnd type="triangle"/>
+          </a:ln>
+        </p:spPr>
+        <p:style>
+          <a:lnRef idx="1">
+            <a:schemeClr val="accent1"/>
+          </a:lnRef>
+          <a:fillRef idx="0">
+            <a:schemeClr val="accent1"/>
+          </a:fillRef>
+          <a:effectRef idx="0">
+            <a:schemeClr val="accent1"/>
+          </a:effectRef>
+          <a:fontRef idx="minor">
+            <a:schemeClr val="tx1"/>
+          </a:fontRef>
+        </p:style>
+      </p:cxnSp>
+      <p:cxnSp>
+        <p:nvCxnSpPr>
+          <p:cNvPr id="24" name="Elbow Connector 23">
+            <a:extLst>
+              <a:ext uri="{FF2B5EF4-FFF2-40B4-BE49-F238E27FC236}">
+                <a16:creationId xmlns:a16="http://schemas.microsoft.com/office/drawing/2014/main" id="{CD0832EC-942B-398E-A4E3-CBB675A65172}"/>
+              </a:ext>
+            </a:extLst>
+          </p:cNvPr>
+          <p:cNvCxnSpPr>
+            <a:cxnSpLocks/>
+            <a:stCxn id="1028" idx="3"/>
+            <a:endCxn id="29" idx="1"/>
+          </p:cNvCxnSpPr>
+          <p:nvPr/>
+        </p:nvCxnSpPr>
+        <p:spPr>
+          <a:xfrm>
+            <a:off x="1449738" y="3965026"/>
+            <a:ext cx="576192" cy="379888"/>
+          </a:xfrm>
+          <a:prstGeom prst="bentConnector3">
+            <a:avLst>
+              <a:gd name="adj1" fmla="val 50000"/>
+            </a:avLst>
+          </a:prstGeom>
+          <a:ln w="19050">
+            <a:solidFill>
+              <a:schemeClr val="tx2"/>
+            </a:solidFill>
+            <a:headEnd type="triangle" w="med" len="med"/>
+            <a:tailEnd type="triangle" w="med" len="med"/>
+          </a:ln>
+        </p:spPr>
+        <p:style>
+          <a:lnRef idx="1">
+            <a:schemeClr val="accent1"/>
+          </a:lnRef>
+          <a:fillRef idx="0">
+            <a:schemeClr val="accent1"/>
+          </a:fillRef>
+          <a:effectRef idx="0">
+            <a:schemeClr val="accent1"/>
+          </a:effectRef>
+          <a:fontRef idx="minor">
+            <a:schemeClr val="tx1"/>
+          </a:fontRef>
+        </p:style>
+      </p:cxnSp>
+      <p:pic>
+        <p:nvPicPr>
+          <p:cNvPr id="31" name="Picture 30">
+            <a:extLst>
+              <a:ext uri="{FF2B5EF4-FFF2-40B4-BE49-F238E27FC236}">
+                <a16:creationId xmlns:a16="http://schemas.microsoft.com/office/drawing/2014/main" id="{2AC12A9D-E899-A6C0-C372-539C993B7D86}"/>
+              </a:ext>
+            </a:extLst>
+          </p:cNvPr>
+          <p:cNvPicPr>
+            <a:picLocks noChangeAspect="1"/>
+          </p:cNvPicPr>
+          <p:nvPr/>
+        </p:nvPicPr>
+        <p:blipFill>
+          <a:blip r:embed="rId3">
+            <a:extLst>
+              <a:ext uri="{28A0092B-C50C-407E-A947-70E740481C1C}">
+                <a14:useLocalDpi xmlns:a14="http://schemas.microsoft.com/office/drawing/2010/main" val="0"/>
+              </a:ext>
+            </a:extLst>
+          </a:blip>
+          <a:stretch>
+            <a:fillRect/>
+          </a:stretch>
+        </p:blipFill>
+        <p:spPr>
+          <a:xfrm>
+            <a:off x="940486" y="2570032"/>
+            <a:ext cx="507250" cy="507250"/>
+          </a:xfrm>
+          <a:prstGeom prst="rect">
+            <a:avLst/>
+          </a:prstGeom>
+        </p:spPr>
+      </p:pic>
+      <p:cxnSp>
+        <p:nvCxnSpPr>
+          <p:cNvPr id="36" name="Elbow Connector 35">
+            <a:extLst>
+              <a:ext uri="{FF2B5EF4-FFF2-40B4-BE49-F238E27FC236}">
+                <a16:creationId xmlns:a16="http://schemas.microsoft.com/office/drawing/2014/main" id="{424F808C-DDC2-CB77-9828-37603760759B}"/>
+              </a:ext>
+            </a:extLst>
+          </p:cNvPr>
+          <p:cNvCxnSpPr>
+            <a:cxnSpLocks/>
+            <a:stCxn id="10" idx="3"/>
+            <a:endCxn id="46" idx="1"/>
+          </p:cNvCxnSpPr>
+          <p:nvPr/>
+        </p:nvCxnSpPr>
+        <p:spPr>
+          <a:xfrm flipV="1">
+            <a:off x="3142054" y="2448554"/>
+            <a:ext cx="288036" cy="1663663"/>
+          </a:xfrm>
+          <a:prstGeom prst="bentConnector3">
+            <a:avLst>
+              <a:gd name="adj1" fmla="val 61671"/>
+            </a:avLst>
+          </a:prstGeom>
+          <a:ln w="19050">
+            <a:solidFill>
+              <a:schemeClr val="tx2"/>
+            </a:solidFill>
+            <a:headEnd type="triangle" w="med" len="med"/>
+            <a:tailEnd type="triangle" w="med" len="med"/>
+          </a:ln>
+        </p:spPr>
+        <p:style>
+          <a:lnRef idx="1">
+            <a:schemeClr val="accent1"/>
+          </a:lnRef>
+          <a:fillRef idx="0">
+            <a:schemeClr val="accent1"/>
+          </a:fillRef>
+          <a:effectRef idx="0">
+            <a:schemeClr val="accent1"/>
+          </a:effectRef>
+          <a:fontRef idx="minor">
+            <a:schemeClr val="tx1"/>
+          </a:fontRef>
+        </p:style>
+      </p:cxnSp>
+      <p:sp>
+        <p:nvSpPr>
+          <p:cNvPr id="40" name="Rounded Rectangle 39">
+            <a:extLst>
+              <a:ext uri="{FF2B5EF4-FFF2-40B4-BE49-F238E27FC236}">
+                <a16:creationId xmlns:a16="http://schemas.microsoft.com/office/drawing/2014/main" id="{1170364F-14B7-1F2C-EFD0-3094F5063720}"/>
+              </a:ext>
+            </a:extLst>
+          </p:cNvPr>
+          <p:cNvSpPr/>
+          <p:nvPr/>
+        </p:nvSpPr>
+        <p:spPr>
+          <a:xfrm>
+            <a:off x="3430090" y="1950005"/>
+            <a:ext cx="188104" cy="199167"/>
+          </a:xfrm>
+          <a:prstGeom prst="roundRect">
+            <a:avLst/>
+          </a:prstGeom>
+          <a:noFill/>
+          <a:ln>
+            <a:noFill/>
+          </a:ln>
+        </p:spPr>
+        <p:style>
+          <a:lnRef idx="2">
+            <a:schemeClr val="accent1">
+              <a:shade val="15000"/>
+            </a:schemeClr>
+          </a:lnRef>
+          <a:fillRef idx="1">
+            <a:schemeClr val="accent1"/>
+          </a:fillRef>
+          <a:effectRef idx="0">
+            <a:schemeClr val="accent1"/>
+          </a:effectRef>
+          <a:fontRef idx="minor">
+            <a:schemeClr val="lt1"/>
+          </a:fontRef>
+        </p:style>
+        <p:txBody>
+          <a:bodyPr rtlCol="0" anchor="ctr"/>
+          <a:lstStyle/>
+          <a:p>
+            <a:pPr algn="ctr"/>
+            <a:endParaRPr lang="en-KR" sz="1600"/>
+          </a:p>
+        </p:txBody>
+      </p:sp>
+      <p:sp>
+        <p:nvSpPr>
+          <p:cNvPr id="46" name="Rounded Rectangle 45">
+            <a:extLst>
+              <a:ext uri="{FF2B5EF4-FFF2-40B4-BE49-F238E27FC236}">
+                <a16:creationId xmlns:a16="http://schemas.microsoft.com/office/drawing/2014/main" id="{F0ACD259-B742-1B17-F280-CED3A355D60C}"/>
+              </a:ext>
+            </a:extLst>
+          </p:cNvPr>
+          <p:cNvSpPr/>
+          <p:nvPr/>
+        </p:nvSpPr>
+        <p:spPr>
+          <a:xfrm>
+            <a:off x="3430090" y="2348970"/>
+            <a:ext cx="188104" cy="199167"/>
+          </a:xfrm>
+          <a:prstGeom prst="roundRect">
+            <a:avLst/>
+          </a:prstGeom>
+          <a:noFill/>
+          <a:ln>
+            <a:noFill/>
+          </a:ln>
+        </p:spPr>
+        <p:style>
+          <a:lnRef idx="2">
+            <a:schemeClr val="accent1">
+              <a:shade val="15000"/>
+            </a:schemeClr>
+          </a:lnRef>
+          <a:fillRef idx="1">
+            <a:schemeClr val="accent1"/>
+          </a:fillRef>
+          <a:effectRef idx="0">
+            <a:schemeClr val="accent1"/>
+          </a:effectRef>
+          <a:fontRef idx="minor">
+            <a:schemeClr val="lt1"/>
+          </a:fontRef>
+        </p:style>
+        <p:txBody>
+          <a:bodyPr rtlCol="0" anchor="ctr"/>
+          <a:lstStyle/>
+          <a:p>
+            <a:pPr algn="ctr"/>
+            <a:endParaRPr lang="en-KR" sz="1600"/>
+          </a:p>
+        </p:txBody>
+      </p:sp>
+      <p:sp>
+        <p:nvSpPr>
+          <p:cNvPr id="49" name="사각형: 둥근 모서리 6">
+            <a:extLst>
+              <a:ext uri="{FF2B5EF4-FFF2-40B4-BE49-F238E27FC236}">
+                <a16:creationId xmlns:a16="http://schemas.microsoft.com/office/drawing/2014/main" id="{41FBA852-F86F-33C6-5BB7-8B1FDE9EACE7}"/>
+              </a:ext>
+            </a:extLst>
+          </p:cNvPr>
+          <p:cNvSpPr/>
+          <p:nvPr/>
+        </p:nvSpPr>
+        <p:spPr>
+          <a:xfrm>
+            <a:off x="1789832" y="1419622"/>
+            <a:ext cx="1486500" cy="3275505"/>
+          </a:xfrm>
+          <a:prstGeom prst="roundRect">
+            <a:avLst>
+              <a:gd name="adj" fmla="val 8348"/>
+            </a:avLst>
+          </a:prstGeom>
+          <a:noFill/>
+          <a:ln w="12700">
+            <a:prstDash val="dash"/>
+          </a:ln>
+        </p:spPr>
+        <p:style>
+          <a:lnRef idx="2">
+            <a:schemeClr val="dk1"/>
+          </a:lnRef>
+          <a:fillRef idx="1">
+            <a:schemeClr val="lt1"/>
+          </a:fillRef>
+          <a:effectRef idx="0">
+            <a:schemeClr val="dk1"/>
+          </a:effectRef>
+          <a:fontRef idx="minor">
+            <a:schemeClr val="dk1"/>
+          </a:fontRef>
+        </p:style>
+        <p:txBody>
+          <a:bodyPr rtlCol="0" anchor="t"/>
+          <a:lstStyle/>
+          <a:p>
+            <a:pPr algn="ctr"/>
+            <a:r>
+              <a:rPr lang="en-US" altLang="ko-KR" sz="1100" b="1"/>
+              <a:t>DMZ</a:t>
+            </a:r>
+            <a:endParaRPr lang="ko-KR" altLang="en-US" sz="1100" b="1"/>
+          </a:p>
+        </p:txBody>
+      </p:sp>
+    </p:spTree>
+    <p:extLst>
+      <p:ext uri="{BB962C8B-B14F-4D97-AF65-F5344CB8AC3E}">
+        <p14:creationId xmlns:p14="http://schemas.microsoft.com/office/powerpoint/2010/main" val="52285215"/>
+      </p:ext>
+    </p:extLst>
+  </p:cSld>
+  <p:clrMapOvr>
+    <a:masterClrMapping/>
+  </p:clrMapOvr>
+</p:sld>
+</file>
+
+<file path=ppt/slides/slide2.xml><?xml version="1.0" encoding="utf-8"?>
+<p:sld xmlns:a="http://schemas.openxmlformats.org/drawingml/2006/main" xmlns:r="http://schemas.openxmlformats.org/officeDocument/2006/relationships" xmlns:p="http://schemas.openxmlformats.org/presentationml/2006/main">
+  <p:cSld>
+    <p:spTree>
+      <p:nvGrpSpPr>
+        <p:cNvPr id="1" name=""/>
+        <p:cNvGrpSpPr/>
+        <p:nvPr/>
+      </p:nvGrpSpPr>
+      <p:grpSpPr>
+        <a:xfrm>
+          <a:off x="0" y="0"/>
+          <a:ext cx="0" cy="0"/>
+          <a:chOff x="0" y="0"/>
+          <a:chExt cx="0" cy="0"/>
+        </a:xfrm>
+      </p:grpSpPr>
+      <p:sp>
+        <p:nvSpPr>
+          <p:cNvPr id="2" name="Title 1">
+            <a:extLst>
+              <a:ext uri="{FF2B5EF4-FFF2-40B4-BE49-F238E27FC236}">
+                <a16:creationId xmlns:a16="http://schemas.microsoft.com/office/drawing/2014/main" id="{AE77DB68-940F-21BA-9D60-8AA967B5EC98}"/>
+              </a:ext>
+            </a:extLst>
+          </p:cNvPr>
+          <p:cNvSpPr>
+            <a:spLocks noGrp="1"/>
+          </p:cNvSpPr>
+          <p:nvPr>
+            <p:ph type="title"/>
+          </p:nvPr>
+        </p:nvSpPr>
+        <p:spPr/>
+        <p:txBody>
+          <a:bodyPr/>
+          <a:lstStyle/>
+          <a:p>
+            <a:endParaRPr lang="en-KR"/>
+          </a:p>
+        </p:txBody>
+      </p:sp>
+      <p:sp>
+        <p:nvSpPr>
+          <p:cNvPr id="3" name="사각형: 둥근 모서리 6">
+            <a:extLst>
+              <a:ext uri="{FF2B5EF4-FFF2-40B4-BE49-F238E27FC236}">
+                <a16:creationId xmlns:a16="http://schemas.microsoft.com/office/drawing/2014/main" id="{B8F4D8EE-31EC-7321-CDBA-27D9CF3E7753}"/>
+              </a:ext>
+            </a:extLst>
+          </p:cNvPr>
+          <p:cNvSpPr/>
+          <p:nvPr/>
+        </p:nvSpPr>
+        <p:spPr>
+          <a:xfrm>
             <a:off x="2421975" y="1491630"/>
             <a:ext cx="4104456" cy="857250"/>
           </a:xfrm>
@@ -4913,7 +6619,7 @@
 </p:sld>
 </file>
 
-<file path=ppt/slides/slide2.xml><?xml version="1.0" encoding="utf-8"?>
+<file path=ppt/slides/slide3.xml><?xml version="1.0" encoding="utf-8"?>
 <p:sld xmlns:a="http://schemas.openxmlformats.org/drawingml/2006/main" xmlns:r="http://schemas.openxmlformats.org/officeDocument/2006/relationships" xmlns:p="http://schemas.openxmlformats.org/presentationml/2006/main">
   <p:cSld>
     <p:spTree>
